--- a/Documents/2048 기획서.pptx
+++ b/Documents/2048 기획서.pptx
@@ -9,8 +9,9 @@
     <p:sldId id="257" r:id="rId3"/>
     <p:sldId id="258" r:id="rId4"/>
     <p:sldId id="259" r:id="rId5"/>
-    <p:sldId id="267" r:id="rId6"/>
-    <p:sldId id="271" r:id="rId7"/>
+    <p:sldId id="261" r:id="rId6"/>
+    <p:sldId id="262" r:id="rId7"/>
+    <p:sldId id="263" r:id="rId8"/>
   </p:sldIdLst>
   <p:sldSz cx="12192000" cy="6858000"/>
   <p:notesSz cx="6858000" cy="9144000"/>
@@ -319,7 +320,7 @@
               <a:pPr lvl="0">
                 <a:defRPr lang="ko-KR" altLang="en-US"/>
               </a:pPr>
-              <a:t>2018-10-09</a:t>
+              <a:t>2018-10-13</a:t>
             </a:fld>
             <a:endParaRPr lang="ko-KR" altLang="en-US"/>
           </a:p>
@@ -461,7 +462,7 @@
               <a:pPr lvl="0">
                 <a:defRPr lang="ko-KR" altLang="en-US"/>
               </a:pPr>
-              <a:t>2018-10-09</a:t>
+              <a:t>2018-10-13</a:t>
             </a:fld>
             <a:endParaRPr lang="ko-KR" altLang="en-US"/>
           </a:p>
@@ -676,7 +677,7 @@
               <a:pPr lvl="0">
                 <a:defRPr lang="ko-KR" altLang="en-US"/>
               </a:pPr>
-              <a:t>2018-10-09</a:t>
+              <a:t>2018-10-13</a:t>
             </a:fld>
             <a:endParaRPr lang="ko-KR" altLang="en-US"/>
           </a:p>
@@ -878,7 +879,7 @@
               <a:pPr lvl="0">
                 <a:defRPr lang="ko-KR" altLang="en-US"/>
               </a:pPr>
-              <a:t>2018-10-09</a:t>
+              <a:t>2018-10-13</a:t>
             </a:fld>
             <a:endParaRPr lang="ko-KR" altLang="en-US"/>
           </a:p>
@@ -1070,7 +1071,7 @@
               <a:pPr lvl="0">
                 <a:defRPr lang="ko-KR" altLang="en-US"/>
               </a:pPr>
-              <a:t>2018-10-09</a:t>
+              <a:t>2018-10-13</a:t>
             </a:fld>
             <a:endParaRPr lang="ko-KR" altLang="en-US"/>
           </a:p>
@@ -1176,7 +1177,7 @@
               <a:pPr lvl="0">
                 <a:defRPr lang="ko-KR" altLang="en-US"/>
               </a:pPr>
-              <a:t>2018-10-09</a:t>
+              <a:t>2018-10-13</a:t>
             </a:fld>
             <a:endParaRPr lang="ko-KR" altLang="en-US"/>
           </a:p>
@@ -1437,7 +1438,7 @@
               <a:pPr lvl="0">
                 <a:defRPr lang="ko-KR" altLang="en-US"/>
               </a:pPr>
-              <a:t>2018-10-09</a:t>
+              <a:t>2018-10-13</a:t>
             </a:fld>
             <a:endParaRPr lang="ko-KR" altLang="en-US"/>
           </a:p>
@@ -1756,7 +1757,7 @@
               <a:pPr lvl="0">
                 <a:defRPr lang="ko-KR" altLang="en-US"/>
               </a:pPr>
-              <a:t>2018-10-09</a:t>
+              <a:t>2018-10-13</a:t>
             </a:fld>
             <a:endParaRPr lang="ko-KR" altLang="en-US"/>
           </a:p>
@@ -1887,7 +1888,7 @@
               <a:pPr lvl="0">
                 <a:defRPr lang="ko-KR" altLang="en-US"/>
               </a:pPr>
-              <a:t>2018-10-09</a:t>
+              <a:t>2018-10-13</a:t>
             </a:fld>
             <a:endParaRPr lang="ko-KR" altLang="en-US"/>
           </a:p>
@@ -2054,7 +2055,7 @@
               <a:pPr lvl="0">
                 <a:defRPr lang="ko-KR" altLang="en-US"/>
               </a:pPr>
-              <a:t>2018-10-09</a:t>
+              <a:t>2018-10-13</a:t>
             </a:fld>
             <a:endParaRPr lang="ko-KR" altLang="en-US"/>
           </a:p>
@@ -2561,7 +2562,7 @@
               <a:pPr lvl="0">
                 <a:defRPr lang="ko-KR" altLang="en-US"/>
               </a:pPr>
-              <a:t>2018-10-09</a:t>
+              <a:t>2018-10-13</a:t>
             </a:fld>
             <a:endParaRPr lang="ko-KR" altLang="en-US"/>
           </a:p>
@@ -2835,7 +2836,7 @@
               <a:pPr lvl="0">
                 <a:defRPr lang="ko-KR" altLang="en-US"/>
               </a:pPr>
-              <a:t>2018-10-09</a:t>
+              <a:t>2018-10-13</a:t>
             </a:fld>
             <a:endParaRPr lang="ko-KR" altLang="en-US"/>
           </a:p>
@@ -2949,10 +2950,9 @@
           <a:lstStyle/>
           <a:p>
             <a:r>
-              <a:rPr lang="ko-KR" altLang="en-US" smtClean="0"/>
+              <a:rPr lang="ko-KR" altLang="en-US"/>
               <a:t>마스터 제목 스타일 편집</a:t>
             </a:r>
-            <a:endParaRPr lang="ko-KR" altLang="en-US"/>
           </a:p>
         </p:txBody>
       </p:sp>
@@ -2983,35 +2983,35 @@
           <a:p>
             <a:pPr lvl="0"/>
             <a:r>
-              <a:rPr lang="ko-KR" altLang="en-US" dirty="0" smtClean="0"/>
+              <a:rPr lang="ko-KR" altLang="en-US" dirty="0"/>
               <a:t>마스터 텍스트 스타일을 편집합니다</a:t>
             </a:r>
           </a:p>
           <a:p>
             <a:pPr lvl="1"/>
             <a:r>
-              <a:rPr lang="ko-KR" altLang="en-US" dirty="0" smtClean="0"/>
+              <a:rPr lang="ko-KR" altLang="en-US" dirty="0"/>
               <a:t>둘째 수준</a:t>
             </a:r>
           </a:p>
           <a:p>
             <a:pPr lvl="2"/>
             <a:r>
-              <a:rPr lang="ko-KR" altLang="en-US" dirty="0" smtClean="0"/>
+              <a:rPr lang="ko-KR" altLang="en-US" dirty="0"/>
               <a:t>셋째 수준</a:t>
             </a:r>
           </a:p>
           <a:p>
             <a:pPr lvl="3"/>
             <a:r>
-              <a:rPr lang="ko-KR" altLang="en-US" dirty="0" smtClean="0"/>
+              <a:rPr lang="ko-KR" altLang="en-US" dirty="0"/>
               <a:t>넷째 수준</a:t>
             </a:r>
           </a:p>
           <a:p>
             <a:pPr lvl="4"/>
             <a:r>
-              <a:rPr lang="ko-KR" altLang="en-US" dirty="0" smtClean="0"/>
+              <a:rPr lang="ko-KR" altLang="en-US" dirty="0"/>
               <a:t>다섯째 수준</a:t>
             </a:r>
             <a:endParaRPr lang="ko-KR" altLang="en-US"/>
@@ -3054,7 +3054,7 @@
             <a:fld id="{D422D86A-5F52-4165-8473-F1B836277586}" type="datetime1">
               <a:rPr lang="ko-KR" altLang="en-US" smtClean="0"/>
               <a:pPr/>
-              <a:t>2018-10-09</a:t>
+              <a:t>2018-10-13</a:t>
             </a:fld>
             <a:endParaRPr lang="ko-KR" altLang="en-US"/>
           </a:p>
@@ -3611,7 +3611,7 @@
     <mc:Choice Requires="p14">
       <p:transition/>
     </mc:Choice>
-    <mc:Fallback xmlns:dsp="http://schemas.microsoft.com/office/drawing/2008/diagram" xmlns:dgm="http://schemas.openxmlformats.org/drawingml/2006/diagram" xmlns:c="http://schemas.openxmlformats.org/drawingml/2006/chart" xmlns="">
+    <mc:Fallback xmlns="" xmlns:c="http://schemas.openxmlformats.org/drawingml/2006/chart" xmlns:dgm="http://schemas.openxmlformats.org/drawingml/2006/diagram" xmlns:dsp="http://schemas.microsoft.com/office/drawing/2008/diagram">
       <p:transition/>
     </mc:Fallback>
   </mc:AlternateContent>
@@ -3679,7 +3679,7 @@
           <p:nvPr>
             <p:extLst>
               <p:ext uri="{D42A27DB-BD31-4B8C-83A1-F6EECF244321}">
-                <p14:modId xmlns:p14="http://schemas.microsoft.com/office/powerpoint/2010/main" val="2548624713"/>
+                <p14:modId xmlns:p14="http://schemas.microsoft.com/office/powerpoint/2010/main" val="82533307"/>
               </p:ext>
             </p:extLst>
           </p:nvPr>
@@ -3693,10 +3693,34 @@
             <a:tbl>
               <a:tblPr firstRow="1" bandRow="1"/>
               <a:tblGrid>
-                <a:gridCol w="1584198"/>
-                <a:gridCol w="5976747"/>
-                <a:gridCol w="2016253"/>
-                <a:gridCol w="936115"/>
+                <a:gridCol w="1584198">
+                  <a:extLst>
+                    <a:ext uri="{9D8B030D-6E8A-4147-A177-3AD203B41FA5}">
+                      <a16:colId xmlns:a16="http://schemas.microsoft.com/office/drawing/2014/main" xmlns="" val="20000"/>
+                    </a:ext>
+                  </a:extLst>
+                </a:gridCol>
+                <a:gridCol w="5976747">
+                  <a:extLst>
+                    <a:ext uri="{9D8B030D-6E8A-4147-A177-3AD203B41FA5}">
+                      <a16:colId xmlns:a16="http://schemas.microsoft.com/office/drawing/2014/main" xmlns="" val="20001"/>
+                    </a:ext>
+                  </a:extLst>
+                </a:gridCol>
+                <a:gridCol w="2016253">
+                  <a:extLst>
+                    <a:ext uri="{9D8B030D-6E8A-4147-A177-3AD203B41FA5}">
+                      <a16:colId xmlns:a16="http://schemas.microsoft.com/office/drawing/2014/main" xmlns="" val="20002"/>
+                    </a:ext>
+                  </a:extLst>
+                </a:gridCol>
+                <a:gridCol w="936115">
+                  <a:extLst>
+                    <a:ext uri="{9D8B030D-6E8A-4147-A177-3AD203B41FA5}">
+                      <a16:colId xmlns:a16="http://schemas.microsoft.com/office/drawing/2014/main" xmlns="" val="20003"/>
+                    </a:ext>
+                  </a:extLst>
+                </a:gridCol>
               </a:tblGrid>
               <a:tr h="606933">
                 <a:tc>
@@ -3708,7 +3732,7 @@
                         <a:defRPr lang="ko-KR" altLang="en-US"/>
                       </a:pPr>
                       <a:r>
-                        <a:rPr lang="ko-KR" altLang="en-US" dirty="0"/>
+                        <a:rPr lang="ko-KR" altLang="en-US"/>
                         <a:t>작성일</a:t>
                       </a:r>
                     </a:p>
@@ -3791,6 +3815,11 @@
                     </a:solidFill>
                   </a:tcPr>
                 </a:tc>
+                <a:extLst>
+                  <a:ext uri="{0D108BD9-81ED-4DB2-BD59-A6C34878D82A}">
+                    <a16:rowId xmlns:a16="http://schemas.microsoft.com/office/drawing/2014/main" xmlns="" val="10000"/>
+                  </a:ext>
+                </a:extLst>
               </a:tr>
               <a:tr h="606933">
                 <a:tc>
@@ -3802,19 +3831,19 @@
                         <a:defRPr lang="ko-KR" altLang="en-US"/>
                       </a:pPr>
                       <a:r>
-                        <a:rPr lang="ko-KR" altLang="en-US"/>
+                        <a:rPr lang="ko-KR" altLang="en-US" dirty="0"/>
                         <a:t>2018.0</a:t>
                       </a:r>
                       <a:r>
-                        <a:rPr lang="en-US" altLang="ko-KR"/>
+                        <a:rPr lang="en-US" altLang="ko-KR" dirty="0"/>
                         <a:t>8</a:t>
                       </a:r>
                       <a:r>
-                        <a:rPr lang="ko-KR" altLang="en-US"/>
+                        <a:rPr lang="ko-KR" altLang="en-US" dirty="0"/>
                         <a:t>.</a:t>
                       </a:r>
                       <a:r>
-                        <a:rPr lang="en-US" altLang="ko-KR"/>
+                        <a:rPr lang="en-US" altLang="ko-KR" dirty="0"/>
                         <a:t>22</a:t>
                       </a:r>
                     </a:p>
@@ -3830,7 +3859,7 @@
                         <a:defRPr lang="ko-KR" altLang="en-US"/>
                       </a:pPr>
                       <a:r>
-                        <a:rPr lang="ko-KR" altLang="en-US"/>
+                        <a:rPr lang="ko-KR" altLang="en-US" dirty="0"/>
                         <a:t>초안 작성</a:t>
                       </a:r>
                     </a:p>
@@ -3866,8 +3895,77 @@
                   </a:txBody>
                   <a:tcPr anchor="ctr"/>
                 </a:tc>
+                <a:extLst>
+                  <a:ext uri="{0D108BD9-81ED-4DB2-BD59-A6C34878D82A}">
+                    <a16:rowId xmlns:a16="http://schemas.microsoft.com/office/drawing/2014/main" xmlns="" val="10001"/>
+                  </a:ext>
+                </a:extLst>
               </a:tr>
               <a:tr h="606933">
+                <a:tc>
+                  <a:txBody>
+                    <a:bodyPr/>
+                    <a:lstStyle/>
+                    <a:p>
+                      <a:pPr marL="0" marR="0" lvl="0" indent="0" algn="ctr" defTabSz="914400" rtl="0" eaLnBrk="1" fontAlgn="auto" latinLnBrk="1" hangingPunct="1">
+                        <a:lnSpc>
+                          <a:spcPct val="100000"/>
+                        </a:lnSpc>
+                        <a:spcBef>
+                          <a:spcPts val="0"/>
+                        </a:spcBef>
+                        <a:spcAft>
+                          <a:spcPts val="0"/>
+                        </a:spcAft>
+                        <a:buClrTx/>
+                        <a:buSzTx/>
+                        <a:buFontTx/>
+                        <a:buNone/>
+                        <a:tabLst/>
+                        <a:defRPr lang="ko-KR" altLang="en-US"/>
+                      </a:pPr>
+                      <a:r>
+                        <a:rPr lang="ko-KR" altLang="en-US" dirty="0"/>
+                        <a:t>2018.</a:t>
+                      </a:r>
+                      <a:r>
+                        <a:rPr lang="en-US" altLang="ko-KR" dirty="0"/>
+                        <a:t>10.09</a:t>
+                      </a:r>
+                    </a:p>
+                  </a:txBody>
+                  <a:tcPr anchor="ctr"/>
+                </a:tc>
+                <a:tc>
+                  <a:txBody>
+                    <a:bodyPr/>
+                    <a:lstStyle/>
+                    <a:p>
+                      <a:pPr marL="0" marR="0" lvl="0" indent="0" algn="ctr" defTabSz="914400" rtl="0" eaLnBrk="1" fontAlgn="auto" latinLnBrk="1" hangingPunct="1">
+                        <a:lnSpc>
+                          <a:spcPct val="100000"/>
+                        </a:lnSpc>
+                        <a:spcBef>
+                          <a:spcPts val="0"/>
+                        </a:spcBef>
+                        <a:spcAft>
+                          <a:spcPts val="0"/>
+                        </a:spcAft>
+                        <a:buClrTx/>
+                        <a:buSzTx/>
+                        <a:buFontTx/>
+                        <a:buNone/>
+                        <a:tabLst/>
+                        <a:defRPr lang="ko-KR" altLang="en-US"/>
+                      </a:pPr>
+                      <a:r>
+                        <a:rPr lang="ko-KR" altLang="en-US" dirty="0"/>
+                        <a:t>시작 화면 디자인</a:t>
+                      </a:r>
+                    </a:p>
+                  </a:txBody>
+                  <a:tcPr anchor="ctr"/>
+                </a:tc>
                 <a:tc>
                   <a:txBody>
                     <a:bodyPr/>
@@ -3877,8 +3975,8 @@
                         <a:defRPr lang="ko-KR" altLang="en-US"/>
                       </a:pPr>
                       <a:r>
-                        <a:rPr lang="en-US" altLang="ko-KR" dirty="0" smtClean="0"/>
-                        <a:t>2018.10.09</a:t>
+                        <a:rPr lang="ko-KR" altLang="en-US" dirty="0" err="1"/>
+                        <a:t>햄과함께</a:t>
                       </a:r>
                       <a:endParaRPr lang="ko-KR" altLang="en-US" dirty="0"/>
                     </a:p>
@@ -3893,53 +3991,16 @@
                       <a:pPr algn="ctr">
                         <a:defRPr lang="ko-KR" altLang="en-US"/>
                       </a:pPr>
-                      <a:r>
-                        <a:rPr lang="ko-KR" altLang="en-US" dirty="0" smtClean="0"/>
-                        <a:t>시작화면</a:t>
-                      </a:r>
-                      <a:r>
-                        <a:rPr lang="en-US" altLang="ko-KR" dirty="0" smtClean="0"/>
-                        <a:t>, </a:t>
-                      </a:r>
-                      <a:r>
-                        <a:rPr lang="ko-KR" altLang="en-US" dirty="0" smtClean="0"/>
-                        <a:t>종료화면 작성</a:t>
-                      </a:r>
-                      <a:endParaRPr lang="ko-KR" altLang="en-US" dirty="0"/>
+                      <a:endParaRPr lang="ko-KR" altLang="en-US"/>
                     </a:p>
                   </a:txBody>
                   <a:tcPr anchor="ctr"/>
                 </a:tc>
-                <a:tc>
-                  <a:txBody>
-                    <a:bodyPr/>
-                    <a:lstStyle/>
-                    <a:p>
-                      <a:pPr algn="ctr">
-                        <a:defRPr lang="ko-KR" altLang="en-US"/>
-                      </a:pPr>
-                      <a:r>
-                        <a:rPr lang="en-US" altLang="ko-KR" dirty="0" smtClean="0"/>
-                        <a:t>seonghee2</a:t>
-                      </a:r>
-                      <a:endParaRPr lang="ko-KR" altLang="en-US" dirty="0"/>
-                    </a:p>
-                  </a:txBody>
-                  <a:tcPr anchor="ctr"/>
-                </a:tc>
-                <a:tc>
-                  <a:txBody>
-                    <a:bodyPr/>
-                    <a:lstStyle/>
-                    <a:p>
-                      <a:pPr algn="ctr">
-                        <a:defRPr lang="ko-KR" altLang="en-US"/>
-                      </a:pPr>
-                      <a:endParaRPr lang="ko-KR" altLang="en-US" dirty="0"/>
-                    </a:p>
-                  </a:txBody>
-                  <a:tcPr anchor="ctr"/>
-                </a:tc>
+                <a:extLst>
+                  <a:ext uri="{0D108BD9-81ED-4DB2-BD59-A6C34878D82A}">
+                    <a16:rowId xmlns:a16="http://schemas.microsoft.com/office/drawing/2014/main" xmlns="" val="10002"/>
+                  </a:ext>
+                </a:extLst>
               </a:tr>
               <a:tr h="606933">
                 <a:tc>
@@ -3994,6 +4055,11 @@
                   </a:txBody>
                   <a:tcPr anchor="ctr"/>
                 </a:tc>
+                <a:extLst>
+                  <a:ext uri="{0D108BD9-81ED-4DB2-BD59-A6C34878D82A}">
+                    <a16:rowId xmlns:a16="http://schemas.microsoft.com/office/drawing/2014/main" xmlns="" val="10003"/>
+                  </a:ext>
+                </a:extLst>
               </a:tr>
               <a:tr h="606933">
                 <a:tc>
@@ -4048,6 +4114,11 @@
                   </a:txBody>
                   <a:tcPr anchor="ctr"/>
                 </a:tc>
+                <a:extLst>
+                  <a:ext uri="{0D108BD9-81ED-4DB2-BD59-A6C34878D82A}">
+                    <a16:rowId xmlns:a16="http://schemas.microsoft.com/office/drawing/2014/main" xmlns="" val="10004"/>
+                  </a:ext>
+                </a:extLst>
               </a:tr>
               <a:tr h="606933">
                 <a:tc>
@@ -4102,6 +4173,11 @@
                   </a:txBody>
                   <a:tcPr anchor="ctr"/>
                 </a:tc>
+                <a:extLst>
+                  <a:ext uri="{0D108BD9-81ED-4DB2-BD59-A6C34878D82A}">
+                    <a16:rowId xmlns:a16="http://schemas.microsoft.com/office/drawing/2014/main" xmlns="" val="10005"/>
+                  </a:ext>
+                </a:extLst>
               </a:tr>
               <a:tr h="606933">
                 <a:tc>
@@ -4151,11 +4227,16 @@
                       <a:pPr algn="ctr">
                         <a:defRPr lang="ko-KR" altLang="en-US"/>
                       </a:pPr>
-                      <a:endParaRPr lang="ko-KR" altLang="en-US"/>
+                      <a:endParaRPr lang="ko-KR" altLang="en-US" dirty="0"/>
                     </a:p>
                   </a:txBody>
                   <a:tcPr anchor="ctr"/>
                 </a:tc>
+                <a:extLst>
+                  <a:ext uri="{0D108BD9-81ED-4DB2-BD59-A6C34878D82A}">
+                    <a16:rowId xmlns:a16="http://schemas.microsoft.com/office/drawing/2014/main" xmlns="" val="10006"/>
+                  </a:ext>
+                </a:extLst>
               </a:tr>
             </a:tbl>
           </a:graphicData>
@@ -4170,7 +4251,7 @@
     <mc:Choice Requires="p14">
       <p:transition/>
     </mc:Choice>
-    <mc:Fallback xmlns:dsp="http://schemas.microsoft.com/office/drawing/2008/diagram" xmlns:dgm="http://schemas.openxmlformats.org/drawingml/2006/diagram" xmlns:c="http://schemas.openxmlformats.org/drawingml/2006/chart" xmlns="">
+    <mc:Fallback xmlns="" xmlns:c="http://schemas.openxmlformats.org/drawingml/2006/chart" xmlns:dgm="http://schemas.openxmlformats.org/drawingml/2006/diagram" xmlns:dsp="http://schemas.microsoft.com/office/drawing/2008/diagram">
       <p:transition/>
     </mc:Fallback>
   </mc:AlternateContent>
@@ -4260,10 +4341,34 @@
             <a:tbl>
               <a:tblPr firstRow="1" bandRow="1"/>
               <a:tblGrid>
-                <a:gridCol w="1168384"/>
-                <a:gridCol w="1168384"/>
-                <a:gridCol w="1168384"/>
-                <a:gridCol w="1168384"/>
+                <a:gridCol w="1168384">
+                  <a:extLst>
+                    <a:ext uri="{9D8B030D-6E8A-4147-A177-3AD203B41FA5}">
+                      <a16:colId xmlns:a16="http://schemas.microsoft.com/office/drawing/2014/main" xmlns="" val="20000"/>
+                    </a:ext>
+                  </a:extLst>
+                </a:gridCol>
+                <a:gridCol w="1168384">
+                  <a:extLst>
+                    <a:ext uri="{9D8B030D-6E8A-4147-A177-3AD203B41FA5}">
+                      <a16:colId xmlns:a16="http://schemas.microsoft.com/office/drawing/2014/main" xmlns="" val="20001"/>
+                    </a:ext>
+                  </a:extLst>
+                </a:gridCol>
+                <a:gridCol w="1168384">
+                  <a:extLst>
+                    <a:ext uri="{9D8B030D-6E8A-4147-A177-3AD203B41FA5}">
+                      <a16:colId xmlns:a16="http://schemas.microsoft.com/office/drawing/2014/main" xmlns="" val="20002"/>
+                    </a:ext>
+                  </a:extLst>
+                </a:gridCol>
+                <a:gridCol w="1168384">
+                  <a:extLst>
+                    <a:ext uri="{9D8B030D-6E8A-4147-A177-3AD203B41FA5}">
+                      <a16:colId xmlns:a16="http://schemas.microsoft.com/office/drawing/2014/main" xmlns="" val="20003"/>
+                    </a:ext>
+                  </a:extLst>
+                </a:gridCol>
               </a:tblGrid>
               <a:tr h="1072687">
                 <a:tc>
@@ -4354,6 +4459,11 @@
                     </a:solidFill>
                   </a:tcPr>
                 </a:tc>
+                <a:extLst>
+                  <a:ext uri="{0D108BD9-81ED-4DB2-BD59-A6C34878D82A}">
+                    <a16:rowId xmlns:a16="http://schemas.microsoft.com/office/drawing/2014/main" xmlns="" val="10000"/>
+                  </a:ext>
+                </a:extLst>
               </a:tr>
               <a:tr h="1072687">
                 <a:tc>
@@ -4452,6 +4562,11 @@
                     </a:solidFill>
                   </a:tcPr>
                 </a:tc>
+                <a:extLst>
+                  <a:ext uri="{0D108BD9-81ED-4DB2-BD59-A6C34878D82A}">
+                    <a16:rowId xmlns:a16="http://schemas.microsoft.com/office/drawing/2014/main" xmlns="" val="10001"/>
+                  </a:ext>
+                </a:extLst>
               </a:tr>
               <a:tr h="1072687">
                 <a:tc>
@@ -4546,6 +4661,11 @@
                     </a:solidFill>
                   </a:tcPr>
                 </a:tc>
+                <a:extLst>
+                  <a:ext uri="{0D108BD9-81ED-4DB2-BD59-A6C34878D82A}">
+                    <a16:rowId xmlns:a16="http://schemas.microsoft.com/office/drawing/2014/main" xmlns="" val="10002"/>
+                  </a:ext>
+                </a:extLst>
               </a:tr>
               <a:tr h="1072687">
                 <a:tc>
@@ -4616,7 +4736,7 @@
                       <a:pPr algn="ctr">
                         <a:defRPr lang="ko-KR" altLang="en-US"/>
                       </a:pPr>
-                      <a:endParaRPr lang="ko-KR" altLang="en-US" dirty="0"/>
+                      <a:endParaRPr lang="ko-KR" altLang="en-US"/>
                     </a:p>
                   </a:txBody>
                   <a:tcPr anchor="ctr">
@@ -4628,6 +4748,11 @@
                     </a:solidFill>
                   </a:tcPr>
                 </a:tc>
+                <a:extLst>
+                  <a:ext uri="{0D108BD9-81ED-4DB2-BD59-A6C34878D82A}">
+                    <a16:rowId xmlns:a16="http://schemas.microsoft.com/office/drawing/2014/main" xmlns="" val="10003"/>
+                  </a:ext>
+                </a:extLst>
               </a:tr>
             </a:tbl>
           </a:graphicData>
@@ -4652,7 +4777,13 @@
                 <a:tableStyleId>{01A66EDD-3DAB-4C5B-A090-DC80EC1FD486}</a:tableStyleId>
               </a:tblPr>
               <a:tblGrid>
-                <a:gridCol w="8659682"/>
+                <a:gridCol w="8659682">
+                  <a:extLst>
+                    <a:ext uri="{9D8B030D-6E8A-4147-A177-3AD203B41FA5}">
+                      <a16:colId xmlns:a16="http://schemas.microsoft.com/office/drawing/2014/main" xmlns="" val="20000"/>
+                    </a:ext>
+                  </a:extLst>
+                </a:gridCol>
               </a:tblGrid>
               <a:tr h="720090">
                 <a:tc>
@@ -4664,7 +4795,7 @@
                         <a:defRPr lang="ko-KR" altLang="en-US"/>
                       </a:pPr>
                       <a:r>
-                        <a:rPr lang="ko-KR" altLang="en-US">
+                        <a:rPr lang="ko-KR" altLang="en-US" dirty="0">
                           <a:solidFill>
                             <a:schemeClr val="tx1"/>
                           </a:solidFill>
@@ -4672,7 +4803,7 @@
                         <a:t>2048 로고</a:t>
                       </a:r>
                       <a:r>
-                        <a:rPr lang="en-US" altLang="ko-KR">
+                        <a:rPr lang="en-US" altLang="ko-KR" dirty="0">
                           <a:solidFill>
                             <a:schemeClr val="tx1"/>
                           </a:solidFill>
@@ -4680,7 +4811,7 @@
                         <a:t> (</a:t>
                       </a:r>
                       <a:r>
-                        <a:rPr lang="ko-KR" altLang="en-US">
+                        <a:rPr lang="ko-KR" altLang="en-US" dirty="0">
                           <a:solidFill>
                             <a:schemeClr val="tx1"/>
                           </a:solidFill>
@@ -4697,6 +4828,11 @@
                     </a:solidFill>
                   </a:tcPr>
                 </a:tc>
+                <a:extLst>
+                  <a:ext uri="{0D108BD9-81ED-4DB2-BD59-A6C34878D82A}">
+                    <a16:rowId xmlns:a16="http://schemas.microsoft.com/office/drawing/2014/main" xmlns="" val="10000"/>
+                  </a:ext>
+                </a:extLst>
               </a:tr>
             </a:tbl>
           </a:graphicData>
@@ -4721,8 +4857,20 @@
                 <a:tableStyleId>{01A66EDD-3DAB-4C5B-A090-DC80EC1FD486}</a:tableStyleId>
               </a:tblPr>
               <a:tblGrid>
-                <a:gridCol w="1231148"/>
-                <a:gridCol w="2153276"/>
+                <a:gridCol w="1231148">
+                  <a:extLst>
+                    <a:ext uri="{9D8B030D-6E8A-4147-A177-3AD203B41FA5}">
+                      <a16:colId xmlns:a16="http://schemas.microsoft.com/office/drawing/2014/main" xmlns="" val="20000"/>
+                    </a:ext>
+                  </a:extLst>
+                </a:gridCol>
+                <a:gridCol w="2153276">
+                  <a:extLst>
+                    <a:ext uri="{9D8B030D-6E8A-4147-A177-3AD203B41FA5}">
+                      <a16:colId xmlns:a16="http://schemas.microsoft.com/office/drawing/2014/main" xmlns="" val="20001"/>
+                    </a:ext>
+                  </a:extLst>
+                </a:gridCol>
               </a:tblGrid>
               <a:tr h="1053126">
                 <a:tc>
@@ -4779,6 +4927,11 @@
                     </a:solidFill>
                   </a:tcPr>
                 </a:tc>
+                <a:extLst>
+                  <a:ext uri="{0D108BD9-81ED-4DB2-BD59-A6C34878D82A}">
+                    <a16:rowId xmlns:a16="http://schemas.microsoft.com/office/drawing/2014/main" xmlns="" val="10000"/>
+                  </a:ext>
+                </a:extLst>
               </a:tr>
             </a:tbl>
           </a:graphicData>
@@ -4803,8 +4956,20 @@
                 <a:tableStyleId>{01A66EDD-3DAB-4C5B-A090-DC80EC1FD486}</a:tableStyleId>
               </a:tblPr>
               <a:tblGrid>
-                <a:gridCol w="1231148"/>
-                <a:gridCol w="2153275"/>
+                <a:gridCol w="1231148">
+                  <a:extLst>
+                    <a:ext uri="{9D8B030D-6E8A-4147-A177-3AD203B41FA5}">
+                      <a16:colId xmlns:a16="http://schemas.microsoft.com/office/drawing/2014/main" xmlns="" val="20000"/>
+                    </a:ext>
+                  </a:extLst>
+                </a:gridCol>
+                <a:gridCol w="2153275">
+                  <a:extLst>
+                    <a:ext uri="{9D8B030D-6E8A-4147-A177-3AD203B41FA5}">
+                      <a16:colId xmlns:a16="http://schemas.microsoft.com/office/drawing/2014/main" xmlns="" val="20001"/>
+                    </a:ext>
+                  </a:extLst>
+                </a:gridCol>
               </a:tblGrid>
               <a:tr h="1053126">
                 <a:tc>
@@ -4861,6 +5026,11 @@
                     </a:solidFill>
                   </a:tcPr>
                 </a:tc>
+                <a:extLst>
+                  <a:ext uri="{0D108BD9-81ED-4DB2-BD59-A6C34878D82A}">
+                    <a16:rowId xmlns:a16="http://schemas.microsoft.com/office/drawing/2014/main" xmlns="" val="10000"/>
+                  </a:ext>
+                </a:extLst>
               </a:tr>
             </a:tbl>
           </a:graphicData>
@@ -4891,7 +5061,7 @@
               <a:defRPr lang="ko-KR" altLang="en-US"/>
             </a:pPr>
             <a:r>
-              <a:rPr lang="en-US" altLang="ko-KR" dirty="0">
+              <a:rPr lang="en-US" altLang="ko-KR">
                 <a:solidFill>
                   <a:schemeClr val="tx1"/>
                 </a:solidFill>
@@ -4899,7 +5069,7 @@
               <a:t>https://github.com/veryear © 201</a:t>
             </a:r>
             <a:r>
-              <a:rPr lang="ko-KR" altLang="en-US" dirty="0">
+              <a:rPr lang="ko-KR" altLang="en-US">
                 <a:solidFill>
                   <a:schemeClr val="tx1"/>
                 </a:solidFill>
@@ -4928,8 +5098,20 @@
                 <a:tableStyleId>{01A66EDD-3DAB-4C5B-A090-DC80EC1FD486}</a:tableStyleId>
               </a:tblPr>
               <a:tblGrid>
-                <a:gridCol w="934575"/>
-                <a:gridCol w="1634570"/>
+                <a:gridCol w="934575">
+                  <a:extLst>
+                    <a:ext uri="{9D8B030D-6E8A-4147-A177-3AD203B41FA5}">
+                      <a16:colId xmlns:a16="http://schemas.microsoft.com/office/drawing/2014/main" xmlns="" val="20000"/>
+                    </a:ext>
+                  </a:extLst>
+                </a:gridCol>
+                <a:gridCol w="1634570">
+                  <a:extLst>
+                    <a:ext uri="{9D8B030D-6E8A-4147-A177-3AD203B41FA5}">
+                      <a16:colId xmlns:a16="http://schemas.microsoft.com/office/drawing/2014/main" xmlns="" val="20001"/>
+                    </a:ext>
+                  </a:extLst>
+                </a:gridCol>
               </a:tblGrid>
               <a:tr h="799437">
                 <a:tc>
@@ -4986,6 +5168,11 @@
                     </a:solidFill>
                   </a:tcPr>
                 </a:tc>
+                <a:extLst>
+                  <a:ext uri="{0D108BD9-81ED-4DB2-BD59-A6C34878D82A}">
+                    <a16:rowId xmlns:a16="http://schemas.microsoft.com/office/drawing/2014/main" xmlns="" val="10000"/>
+                  </a:ext>
+                </a:extLst>
               </a:tr>
             </a:tbl>
           </a:graphicData>
@@ -5035,7 +5222,7 @@
     <mc:Choice Requires="p14">
       <p:transition/>
     </mc:Choice>
-    <mc:Fallback xmlns:dsp="http://schemas.microsoft.com/office/drawing/2008/diagram" xmlns:dgm="http://schemas.openxmlformats.org/drawingml/2006/diagram" xmlns:c="http://schemas.openxmlformats.org/drawingml/2006/chart" xmlns="">
+    <mc:Fallback xmlns="" xmlns:c="http://schemas.openxmlformats.org/drawingml/2006/chart" xmlns:dgm="http://schemas.openxmlformats.org/drawingml/2006/diagram" xmlns:dsp="http://schemas.microsoft.com/office/drawing/2008/diagram">
       <p:transition/>
     </mc:Fallback>
   </mc:AlternateContent>
@@ -5065,7 +5252,13 @@
           <p:cNvGraphicFramePr>
             <a:graphicFrameLocks noGrp="1"/>
           </p:cNvGraphicFramePr>
-          <p:nvPr/>
+          <p:nvPr>
+            <p:extLst>
+              <p:ext uri="{D42A27DB-BD31-4B8C-83A1-F6EECF244321}">
+                <p14:modId xmlns:p14="http://schemas.microsoft.com/office/powerpoint/2010/main" val="1312495265"/>
+              </p:ext>
+            </p:extLst>
+          </p:nvPr>
         </p:nvGraphicFramePr>
         <p:xfrm>
           <a:off x="3431666" y="1268729"/>
@@ -5076,10 +5269,34 @@
             <a:tbl>
               <a:tblPr firstRow="1" bandRow="1"/>
               <a:tblGrid>
-                <a:gridCol w="1168384"/>
-                <a:gridCol w="1168384"/>
-                <a:gridCol w="1168384"/>
-                <a:gridCol w="1168384"/>
+                <a:gridCol w="1168384">
+                  <a:extLst>
+                    <a:ext uri="{9D8B030D-6E8A-4147-A177-3AD203B41FA5}">
+                      <a16:colId xmlns:a16="http://schemas.microsoft.com/office/drawing/2014/main" xmlns="" val="20000"/>
+                    </a:ext>
+                  </a:extLst>
+                </a:gridCol>
+                <a:gridCol w="1168384">
+                  <a:extLst>
+                    <a:ext uri="{9D8B030D-6E8A-4147-A177-3AD203B41FA5}">
+                      <a16:colId xmlns:a16="http://schemas.microsoft.com/office/drawing/2014/main" xmlns="" val="20001"/>
+                    </a:ext>
+                  </a:extLst>
+                </a:gridCol>
+                <a:gridCol w="1168384">
+                  <a:extLst>
+                    <a:ext uri="{9D8B030D-6E8A-4147-A177-3AD203B41FA5}">
+                      <a16:colId xmlns:a16="http://schemas.microsoft.com/office/drawing/2014/main" xmlns="" val="20002"/>
+                    </a:ext>
+                  </a:extLst>
+                </a:gridCol>
+                <a:gridCol w="1168384">
+                  <a:extLst>
+                    <a:ext uri="{9D8B030D-6E8A-4147-A177-3AD203B41FA5}">
+                      <a16:colId xmlns:a16="http://schemas.microsoft.com/office/drawing/2014/main" xmlns="" val="20003"/>
+                    </a:ext>
+                  </a:extLst>
+                </a:gridCol>
               </a:tblGrid>
               <a:tr h="1072687">
                 <a:tc>
@@ -5091,7 +5308,7 @@
                         <a:defRPr lang="ko-KR" altLang="en-US"/>
                       </a:pPr>
                       <a:r>
-                        <a:rPr lang="ko-KR" altLang="en-US" dirty="0"/>
+                        <a:rPr lang="ko-KR" altLang="en-US"/>
                         <a:t>2</a:t>
                       </a:r>
                     </a:p>
@@ -5164,7 +5381,7 @@
                         <a:defRPr lang="ko-KR" altLang="en-US"/>
                       </a:pPr>
                       <a:r>
-                        <a:rPr lang="ko-KR" altLang="en-US">
+                        <a:rPr lang="ko-KR" altLang="en-US" dirty="0">
                           <a:solidFill>
                             <a:schemeClr val="bg1"/>
                           </a:solidFill>
@@ -5179,6 +5396,11 @@
                     </a:solidFill>
                   </a:tcPr>
                 </a:tc>
+                <a:extLst>
+                  <a:ext uri="{0D108BD9-81ED-4DB2-BD59-A6C34878D82A}">
+                    <a16:rowId xmlns:a16="http://schemas.microsoft.com/office/drawing/2014/main" xmlns="" val="10000"/>
+                  </a:ext>
+                </a:extLst>
               </a:tr>
               <a:tr h="1072687">
                 <a:tc>
@@ -5277,6 +5499,11 @@
                     </a:solidFill>
                   </a:tcPr>
                 </a:tc>
+                <a:extLst>
+                  <a:ext uri="{0D108BD9-81ED-4DB2-BD59-A6C34878D82A}">
+                    <a16:rowId xmlns:a16="http://schemas.microsoft.com/office/drawing/2014/main" xmlns="" val="10001"/>
+                  </a:ext>
+                </a:extLst>
               </a:tr>
               <a:tr h="1072687">
                 <a:tc>
@@ -5364,6 +5591,11 @@
                   </a:txBody>
                   <a:tcPr anchor="ctr"/>
                 </a:tc>
+                <a:extLst>
+                  <a:ext uri="{0D108BD9-81ED-4DB2-BD59-A6C34878D82A}">
+                    <a16:rowId xmlns:a16="http://schemas.microsoft.com/office/drawing/2014/main" xmlns="" val="10002"/>
+                  </a:ext>
+                </a:extLst>
               </a:tr>
               <a:tr h="1072687">
                 <a:tc>
@@ -5418,6 +5650,11 @@
                   </a:txBody>
                   <a:tcPr anchor="ctr"/>
                 </a:tc>
+                <a:extLst>
+                  <a:ext uri="{0D108BD9-81ED-4DB2-BD59-A6C34878D82A}">
+                    <a16:rowId xmlns:a16="http://schemas.microsoft.com/office/drawing/2014/main" xmlns="" val="10003"/>
+                  </a:ext>
+                </a:extLst>
               </a:tr>
             </a:tbl>
           </a:graphicData>
@@ -5467,21 +5704,377 @@
     <mc:Choice Requires="p14">
       <p:transition/>
     </mc:Choice>
-    <mc:Fallback xmlns:dsp="http://schemas.microsoft.com/office/drawing/2008/diagram" xmlns:dgm="http://schemas.openxmlformats.org/drawingml/2006/diagram" xmlns:c="http://schemas.openxmlformats.org/drawingml/2006/chart" xmlns="">
+    <mc:Fallback xmlns="" xmlns:c="http://schemas.openxmlformats.org/drawingml/2006/chart" xmlns:dgm="http://schemas.openxmlformats.org/drawingml/2006/diagram" xmlns:dsp="http://schemas.microsoft.com/office/drawing/2008/diagram">
       <p:transition/>
     </mc:Fallback>
   </mc:AlternateContent>
-  <p:timing>
-    <p:tnLst>
-      <p:par>
-        <p:cTn id="1" dur="indefinite" restart="never" nodeType="tmRoot"/>
-      </p:par>
-    </p:tnLst>
-  </p:timing>
 </p:sld>
 </file>
 
 <file path=ppt/slides/slide5.xml><?xml version="1.0" encoding="utf-8"?>
+<p:sld xmlns:a="http://schemas.openxmlformats.org/drawingml/2006/main" xmlns:r="http://schemas.openxmlformats.org/officeDocument/2006/relationships" xmlns:p="http://schemas.openxmlformats.org/presentationml/2006/main">
+  <p:cSld>
+    <p:spTree>
+      <p:nvGrpSpPr>
+        <p:cNvPr id="1" name=""/>
+        <p:cNvGrpSpPr/>
+        <p:nvPr/>
+      </p:nvGrpSpPr>
+      <p:grpSpPr>
+        <a:xfrm>
+          <a:off x="0" y="0"/>
+          <a:ext cx="0" cy="0"/>
+          <a:chOff x="0" y="0"/>
+          <a:chExt cx="0" cy="0"/>
+        </a:xfrm>
+      </p:grpSpPr>
+      <p:sp>
+        <p:nvSpPr>
+          <p:cNvPr id="6" name="직사각형 5"/>
+          <p:cNvSpPr/>
+          <p:nvPr/>
+        </p:nvSpPr>
+        <p:spPr>
+          <a:xfrm>
+            <a:off x="1847468" y="620649"/>
+            <a:ext cx="9073136" cy="5616702"/>
+          </a:xfrm>
+          <a:prstGeom prst="rect">
+            <a:avLst/>
+          </a:prstGeom>
+          <a:solidFill>
+            <a:srgbClr val="FFDC6D"/>
+          </a:solidFill>
+          <a:ln>
+            <a:noFill/>
+          </a:ln>
+        </p:spPr>
+        <p:style>
+          <a:lnRef idx="2">
+            <a:schemeClr val="accent1">
+              <a:shade val="20000"/>
+            </a:schemeClr>
+          </a:lnRef>
+          <a:fillRef idx="1">
+            <a:schemeClr val="accent1"/>
+          </a:fillRef>
+          <a:effectRef idx="0">
+            <a:schemeClr val="accent1"/>
+          </a:effectRef>
+          <a:fontRef idx="minor">
+            <a:schemeClr val="lt1"/>
+          </a:fontRef>
+        </p:style>
+        <p:txBody>
+          <a:bodyPr anchor="ctr"/>
+          <a:lstStyle/>
+          <a:p>
+            <a:pPr algn="ctr">
+              <a:defRPr lang="ko-KR" altLang="en-US"/>
+            </a:pPr>
+            <a:endParaRPr lang="en-US" altLang="ko-KR">
+              <a:solidFill>
+                <a:schemeClr val="tx1"/>
+              </a:solidFill>
+            </a:endParaRPr>
+          </a:p>
+        </p:txBody>
+      </p:sp>
+      <p:sp>
+        <p:nvSpPr>
+          <p:cNvPr id="15" name="직사각형 14">
+            <a:extLst>
+              <a:ext uri="{FF2B5EF4-FFF2-40B4-BE49-F238E27FC236}">
+                <a16:creationId xmlns:a16="http://schemas.microsoft.com/office/drawing/2014/main" xmlns="" id="{AFF53890-8A31-4C2C-ABA0-279E86881A55}"/>
+              </a:ext>
+            </a:extLst>
+          </p:cNvPr>
+          <p:cNvSpPr/>
+          <p:nvPr/>
+        </p:nvSpPr>
+        <p:spPr>
+          <a:xfrm>
+            <a:off x="4151730" y="2597886"/>
+            <a:ext cx="4648646" cy="1512210"/>
+          </a:xfrm>
+          <a:prstGeom prst="rect">
+            <a:avLst/>
+          </a:prstGeom>
+          <a:solidFill>
+            <a:schemeClr val="bg1"/>
+          </a:solidFill>
+          <a:ln>
+            <a:noFill/>
+          </a:ln>
+        </p:spPr>
+        <p:style>
+          <a:lnRef idx="2">
+            <a:schemeClr val="accent1">
+              <a:shade val="50000"/>
+            </a:schemeClr>
+          </a:lnRef>
+          <a:fillRef idx="1">
+            <a:schemeClr val="accent1"/>
+          </a:fillRef>
+          <a:effectRef idx="0">
+            <a:schemeClr val="accent1"/>
+          </a:effectRef>
+          <a:fontRef idx="minor">
+            <a:schemeClr val="lt1"/>
+          </a:fontRef>
+        </p:style>
+        <p:txBody>
+          <a:bodyPr rtlCol="0" anchor="ctr"/>
+          <a:lstStyle/>
+          <a:p>
+            <a:pPr algn="ctr"/>
+            <a:r>
+              <a:rPr lang="en-US" altLang="ko-KR" sz="8000" dirty="0">
+                <a:solidFill>
+                  <a:srgbClr val="FFDC6D"/>
+                </a:solidFill>
+                <a:latin typeface="Agency FB" panose="020B0503020202020204" pitchFamily="34" charset="0"/>
+                <a:cs typeface="Aharoni" panose="020B0604020202020204" pitchFamily="2" charset="-79"/>
+              </a:rPr>
+              <a:t>2048</a:t>
+            </a:r>
+            <a:endParaRPr lang="ko-KR" altLang="en-US" sz="8000" dirty="0">
+              <a:solidFill>
+                <a:srgbClr val="FFDC6D"/>
+              </a:solidFill>
+              <a:latin typeface="Agency FB" panose="020B0503020202020204" pitchFamily="34" charset="0"/>
+              <a:cs typeface="Aharoni" panose="020B0604020202020204" pitchFamily="2" charset="-79"/>
+            </a:endParaRPr>
+          </a:p>
+        </p:txBody>
+      </p:sp>
+      <p:sp>
+        <p:nvSpPr>
+          <p:cNvPr id="21" name="직사각형 20">
+            <a:extLst>
+              <a:ext uri="{FF2B5EF4-FFF2-40B4-BE49-F238E27FC236}">
+                <a16:creationId xmlns:a16="http://schemas.microsoft.com/office/drawing/2014/main" xmlns="" id="{26F3980B-0E3F-40D3-BA13-5B141508BD4E}"/>
+              </a:ext>
+            </a:extLst>
+          </p:cNvPr>
+          <p:cNvSpPr/>
+          <p:nvPr/>
+        </p:nvSpPr>
+        <p:spPr>
+          <a:xfrm>
+            <a:off x="7300096" y="3501010"/>
+            <a:ext cx="1025444" cy="988724"/>
+          </a:xfrm>
+          <a:prstGeom prst="rect">
+            <a:avLst/>
+          </a:prstGeom>
+          <a:solidFill>
+            <a:srgbClr val="FF0000"/>
+          </a:solidFill>
+          <a:ln w="34925">
+            <a:solidFill>
+              <a:srgbClr val="FFFFFF"/>
+            </a:solidFill>
+          </a:ln>
+          <a:effectLst>
+            <a:outerShdw blurRad="317500" dir="2700000" algn="ctr">
+              <a:srgbClr val="000000">
+                <a:alpha val="43000"/>
+              </a:srgbClr>
+            </a:outerShdw>
+          </a:effectLst>
+          <a:scene3d>
+            <a:camera prst="isometricOffAxis2Top"/>
+            <a:lightRig rig="threePt" dir="t">
+              <a:rot lat="0" lon="0" rev="0"/>
+            </a:lightRig>
+          </a:scene3d>
+          <a:sp3d extrusionH="38100" prstMaterial="metal">
+            <a:bevelT w="260350" h="50800" prst="softRound"/>
+            <a:bevelB prst="softRound"/>
+          </a:sp3d>
+        </p:spPr>
+        <p:style>
+          <a:lnRef idx="2">
+            <a:schemeClr val="accent1">
+              <a:shade val="50000"/>
+            </a:schemeClr>
+          </a:lnRef>
+          <a:fillRef idx="1">
+            <a:schemeClr val="accent1"/>
+          </a:fillRef>
+          <a:effectRef idx="0">
+            <a:schemeClr val="accent1"/>
+          </a:effectRef>
+          <a:fontRef idx="minor">
+            <a:schemeClr val="lt1"/>
+          </a:fontRef>
+        </p:style>
+        <p:txBody>
+          <a:bodyPr rtlCol="0" anchor="ctr"/>
+          <a:lstStyle/>
+          <a:p>
+            <a:pPr algn="ctr"/>
+            <a:r>
+              <a:rPr lang="en-US" altLang="ko-KR" sz="4000" dirty="0">
+                <a:latin typeface="Agency FB" panose="020B0503020202020204" pitchFamily="34" charset="0"/>
+              </a:rPr>
+              <a:t>20</a:t>
+            </a:r>
+            <a:endParaRPr lang="ko-KR" altLang="en-US" sz="4000" dirty="0">
+              <a:latin typeface="Agency FB" panose="020B0503020202020204" pitchFamily="34" charset="0"/>
+            </a:endParaRPr>
+          </a:p>
+        </p:txBody>
+      </p:sp>
+      <p:sp>
+        <p:nvSpPr>
+          <p:cNvPr id="22" name="직사각형 21">
+            <a:extLst>
+              <a:ext uri="{FF2B5EF4-FFF2-40B4-BE49-F238E27FC236}">
+                <a16:creationId xmlns:a16="http://schemas.microsoft.com/office/drawing/2014/main" xmlns="" id="{22780F81-4303-42D2-8E20-808DAC75D23F}"/>
+              </a:ext>
+            </a:extLst>
+          </p:cNvPr>
+          <p:cNvSpPr/>
+          <p:nvPr/>
+        </p:nvSpPr>
+        <p:spPr>
+          <a:xfrm>
+            <a:off x="8084906" y="3674669"/>
+            <a:ext cx="1025444" cy="988724"/>
+          </a:xfrm>
+          <a:prstGeom prst="rect">
+            <a:avLst/>
+          </a:prstGeom>
+          <a:solidFill>
+            <a:srgbClr val="3988DF"/>
+          </a:solidFill>
+          <a:ln w="34925">
+            <a:solidFill>
+              <a:srgbClr val="FFFFFF"/>
+            </a:solidFill>
+          </a:ln>
+          <a:effectLst>
+            <a:outerShdw blurRad="317500" dir="2700000" algn="ctr">
+              <a:srgbClr val="000000">
+                <a:alpha val="43000"/>
+              </a:srgbClr>
+            </a:outerShdw>
+          </a:effectLst>
+          <a:scene3d>
+            <a:camera prst="perspectiveFront" fov="2700000">
+              <a:rot lat="19086000" lon="19067999" rev="3108000"/>
+            </a:camera>
+            <a:lightRig rig="threePt" dir="t">
+              <a:rot lat="0" lon="0" rev="0"/>
+            </a:lightRig>
+          </a:scene3d>
+          <a:sp3d extrusionH="38100" prstMaterial="metal">
+            <a:bevelT w="260350" h="50800" prst="softRound"/>
+            <a:bevelB prst="softRound"/>
+          </a:sp3d>
+        </p:spPr>
+        <p:style>
+          <a:lnRef idx="2">
+            <a:schemeClr val="accent1">
+              <a:shade val="50000"/>
+            </a:schemeClr>
+          </a:lnRef>
+          <a:fillRef idx="1">
+            <a:schemeClr val="accent1"/>
+          </a:fillRef>
+          <a:effectRef idx="0">
+            <a:schemeClr val="accent1"/>
+          </a:effectRef>
+          <a:fontRef idx="minor">
+            <a:schemeClr val="lt1"/>
+          </a:fontRef>
+        </p:style>
+        <p:txBody>
+          <a:bodyPr rtlCol="0" anchor="ctr"/>
+          <a:lstStyle/>
+          <a:p>
+            <a:pPr algn="ctr"/>
+            <a:r>
+              <a:rPr lang="en-US" altLang="ko-KR" sz="4000" dirty="0">
+                <a:latin typeface="Agency FB" panose="020B0503020202020204" pitchFamily="34" charset="0"/>
+              </a:rPr>
+              <a:t>48</a:t>
+            </a:r>
+            <a:endParaRPr lang="ko-KR" altLang="en-US" sz="2000" dirty="0">
+              <a:latin typeface="Agency FB" panose="020B0503020202020204" pitchFamily="34" charset="0"/>
+            </a:endParaRPr>
+          </a:p>
+        </p:txBody>
+      </p:sp>
+      <p:sp>
+        <p:nvSpPr>
+          <p:cNvPr id="2" name="직사각형 1">
+            <a:extLst>
+              <a:ext uri="{FF2B5EF4-FFF2-40B4-BE49-F238E27FC236}">
+                <a16:creationId xmlns:a16="http://schemas.microsoft.com/office/drawing/2014/main" xmlns="" id="{BC8F645B-E656-4D78-9697-5CB501631E99}"/>
+              </a:ext>
+            </a:extLst>
+          </p:cNvPr>
+          <p:cNvSpPr/>
+          <p:nvPr/>
+        </p:nvSpPr>
+        <p:spPr>
+          <a:xfrm>
+            <a:off x="4142335" y="2187139"/>
+            <a:ext cx="1445652" cy="369332"/>
+          </a:xfrm>
+          <a:prstGeom prst="rect">
+            <a:avLst/>
+          </a:prstGeom>
+        </p:spPr>
+        <p:txBody>
+          <a:bodyPr wrap="none">
+            <a:spAutoFit/>
+          </a:bodyPr>
+          <a:lstStyle/>
+          <a:p>
+            <a:r>
+              <a:rPr lang="en-US" altLang="ko-KR" b="1" dirty="0">
+                <a:solidFill>
+                  <a:schemeClr val="bg1"/>
+                </a:solidFill>
+                <a:latin typeface="Agency FB" panose="020B0503020202020204" pitchFamily="34" charset="0"/>
+              </a:rPr>
+              <a:t>VERYYEAR</a:t>
+            </a:r>
+            <a:endParaRPr lang="ko-KR" altLang="en-US" b="1" dirty="0">
+              <a:solidFill>
+                <a:schemeClr val="bg1"/>
+              </a:solidFill>
+              <a:latin typeface="Agency FB" panose="020B0503020202020204" pitchFamily="34" charset="0"/>
+            </a:endParaRPr>
+          </a:p>
+        </p:txBody>
+      </p:sp>
+    </p:spTree>
+    <p:extLst>
+      <p:ext uri="{BB962C8B-B14F-4D97-AF65-F5344CB8AC3E}">
+        <p14:creationId xmlns:p14="http://schemas.microsoft.com/office/powerpoint/2010/main" val="2903276375"/>
+      </p:ext>
+    </p:extLst>
+  </p:cSld>
+  <p:clrMapOvr>
+    <a:masterClrMapping/>
+  </p:clrMapOvr>
+  <mc:AlternateContent xmlns:mc="http://schemas.openxmlformats.org/markup-compatibility/2006" xmlns:p14="http://schemas.microsoft.com/office/powerpoint/2010/main">
+    <mc:Choice Requires="p14">
+      <p:transition/>
+    </mc:Choice>
+    <mc:Fallback xmlns="" xmlns:c="http://schemas.openxmlformats.org/drawingml/2006/chart" xmlns:dgm="http://schemas.openxmlformats.org/drawingml/2006/diagram" xmlns:dsp="http://schemas.microsoft.com/office/drawing/2008/diagram">
+      <p:transition/>
+    </mc:Fallback>
+  </mc:AlternateContent>
+</p:sld>
+</file>
+
+<file path=ppt/slides/slide6.xml><?xml version="1.0" encoding="utf-8"?>
 <p:sld xmlns:a="http://schemas.openxmlformats.org/drawingml/2006/main" xmlns:r="http://schemas.openxmlformats.org/officeDocument/2006/relationships" xmlns:p="http://schemas.openxmlformats.org/presentationml/2006/main">
   <p:cSld>
     <p:spTree>
@@ -5968,7 +6561,7 @@
     </p:spTree>
     <p:extLst>
       <p:ext uri="{BB962C8B-B14F-4D97-AF65-F5344CB8AC3E}">
-        <p14:creationId xmlns:p14="http://schemas.microsoft.com/office/powerpoint/2010/main" val="696698517"/>
+        <p14:creationId xmlns:p14="http://schemas.microsoft.com/office/powerpoint/2010/main" val="1872182753"/>
       </p:ext>
     </p:extLst>
   </p:cSld>
@@ -5986,7 +6579,7 @@
 </p:sld>
 </file>
 
-<file path=ppt/slides/slide6.xml><?xml version="1.0" encoding="utf-8"?>
+<file path=ppt/slides/slide7.xml><?xml version="1.0" encoding="utf-8"?>
 <p:sld xmlns:a="http://schemas.openxmlformats.org/drawingml/2006/main" xmlns:r="http://schemas.openxmlformats.org/officeDocument/2006/relationships" xmlns:p="http://schemas.openxmlformats.org/presentationml/2006/main">
   <p:cSld>
     <p:spTree>
@@ -6102,11 +6695,7 @@
             <a:graphicFrameLocks noGrp="1"/>
           </p:cNvGraphicFramePr>
           <p:nvPr>
-            <p:extLst>
-              <p:ext uri="{D42A27DB-BD31-4B8C-83A1-F6EECF244321}">
-                <p14:modId xmlns:p14="http://schemas.microsoft.com/office/powerpoint/2010/main" val="314400812"/>
-              </p:ext>
-            </p:extLst>
+            <p:extLst/>
           </p:nvPr>
         </p:nvGraphicFramePr>
         <p:xfrm>
@@ -7508,7 +8097,7 @@
     </p:spTree>
     <p:extLst>
       <p:ext uri="{BB962C8B-B14F-4D97-AF65-F5344CB8AC3E}">
-        <p14:creationId xmlns:p14="http://schemas.microsoft.com/office/powerpoint/2010/main" val="690801132"/>
+        <p14:creationId xmlns:p14="http://schemas.microsoft.com/office/powerpoint/2010/main" val="2573891484"/>
       </p:ext>
     </p:extLst>
   </p:cSld>
